--- a/TSB 2019/flowchart.pptx
+++ b/TSB 2019/flowchart.pptx
@@ -249,7 +249,7 @@
           <a:p>
             <a:fld id="{81FC2D37-2C87-4750-9912-DEBABBA3D3D5}" type="datetimeFigureOut">
               <a:rPr lang="en-US" smtClean="0"/>
-              <a:t>11/30/2019</a:t>
+              <a:t>12/12/2019</a:t>
             </a:fld>
             <a:endParaRPr lang="en-US"/>
           </a:p>
@@ -419,7 +419,7 @@
           <a:p>
             <a:fld id="{81FC2D37-2C87-4750-9912-DEBABBA3D3D5}" type="datetimeFigureOut">
               <a:rPr lang="en-US" smtClean="0"/>
-              <a:t>11/30/2019</a:t>
+              <a:t>12/12/2019</a:t>
             </a:fld>
             <a:endParaRPr lang="en-US"/>
           </a:p>
@@ -599,7 +599,7 @@
           <a:p>
             <a:fld id="{81FC2D37-2C87-4750-9912-DEBABBA3D3D5}" type="datetimeFigureOut">
               <a:rPr lang="en-US" smtClean="0"/>
-              <a:t>11/30/2019</a:t>
+              <a:t>12/12/2019</a:t>
             </a:fld>
             <a:endParaRPr lang="en-US"/>
           </a:p>
@@ -769,7 +769,7 @@
           <a:p>
             <a:fld id="{81FC2D37-2C87-4750-9912-DEBABBA3D3D5}" type="datetimeFigureOut">
               <a:rPr lang="en-US" smtClean="0"/>
-              <a:t>11/30/2019</a:t>
+              <a:t>12/12/2019</a:t>
             </a:fld>
             <a:endParaRPr lang="en-US"/>
           </a:p>
@@ -1015,7 +1015,7 @@
           <a:p>
             <a:fld id="{81FC2D37-2C87-4750-9912-DEBABBA3D3D5}" type="datetimeFigureOut">
               <a:rPr lang="en-US" smtClean="0"/>
-              <a:t>11/30/2019</a:t>
+              <a:t>12/12/2019</a:t>
             </a:fld>
             <a:endParaRPr lang="en-US"/>
           </a:p>
@@ -1247,7 +1247,7 @@
           <a:p>
             <a:fld id="{81FC2D37-2C87-4750-9912-DEBABBA3D3D5}" type="datetimeFigureOut">
               <a:rPr lang="en-US" smtClean="0"/>
-              <a:t>11/30/2019</a:t>
+              <a:t>12/12/2019</a:t>
             </a:fld>
             <a:endParaRPr lang="en-US"/>
           </a:p>
@@ -1614,7 +1614,7 @@
           <a:p>
             <a:fld id="{81FC2D37-2C87-4750-9912-DEBABBA3D3D5}" type="datetimeFigureOut">
               <a:rPr lang="en-US" smtClean="0"/>
-              <a:t>11/30/2019</a:t>
+              <a:t>12/12/2019</a:t>
             </a:fld>
             <a:endParaRPr lang="en-US"/>
           </a:p>
@@ -1732,7 +1732,7 @@
           <a:p>
             <a:fld id="{81FC2D37-2C87-4750-9912-DEBABBA3D3D5}" type="datetimeFigureOut">
               <a:rPr lang="en-US" smtClean="0"/>
-              <a:t>11/30/2019</a:t>
+              <a:t>12/12/2019</a:t>
             </a:fld>
             <a:endParaRPr lang="en-US"/>
           </a:p>
@@ -1827,7 +1827,7 @@
           <a:p>
             <a:fld id="{81FC2D37-2C87-4750-9912-DEBABBA3D3D5}" type="datetimeFigureOut">
               <a:rPr lang="en-US" smtClean="0"/>
-              <a:t>11/30/2019</a:t>
+              <a:t>12/12/2019</a:t>
             </a:fld>
             <a:endParaRPr lang="en-US"/>
           </a:p>
@@ -2104,7 +2104,7 @@
           <a:p>
             <a:fld id="{81FC2D37-2C87-4750-9912-DEBABBA3D3D5}" type="datetimeFigureOut">
               <a:rPr lang="en-US" smtClean="0"/>
-              <a:t>11/30/2019</a:t>
+              <a:t>12/12/2019</a:t>
             </a:fld>
             <a:endParaRPr lang="en-US"/>
           </a:p>
@@ -2357,7 +2357,7 @@
           <a:p>
             <a:fld id="{81FC2D37-2C87-4750-9912-DEBABBA3D3D5}" type="datetimeFigureOut">
               <a:rPr lang="en-US" smtClean="0"/>
-              <a:t>11/30/2019</a:t>
+              <a:t>12/12/2019</a:t>
             </a:fld>
             <a:endParaRPr lang="en-US"/>
           </a:p>
@@ -2570,7 +2570,7 @@
           <a:p>
             <a:fld id="{81FC2D37-2C87-4750-9912-DEBABBA3D3D5}" type="datetimeFigureOut">
               <a:rPr lang="en-US" smtClean="0"/>
-              <a:t>11/30/2019</a:t>
+              <a:t>12/12/2019</a:t>
             </a:fld>
             <a:endParaRPr lang="en-US"/>
           </a:p>
@@ -3481,18 +3481,119 @@
           </a:p>
         </p:txBody>
       </p:sp>
-      <p:sp>
-        <p:nvSpPr>
-          <p:cNvPr id="69" name="Flowchart: Decision 68"/>
+      <p:cxnSp>
+        <p:nvCxnSpPr>
+          <p:cNvPr id="92" name="Straight Arrow Connector 91"/>
+          <p:cNvCxnSpPr>
+            <a:stCxn id="7" idx="3"/>
+          </p:cNvCxnSpPr>
+          <p:nvPr/>
+        </p:nvCxnSpPr>
+        <p:spPr>
+          <a:xfrm>
+            <a:off x="5435600" y="863939"/>
+            <a:ext cx="868680" cy="7644"/>
+          </a:xfrm>
+          <a:prstGeom prst="straightConnector1">
+            <a:avLst/>
+          </a:prstGeom>
+          <a:ln>
+            <a:tailEnd type="triangle"/>
+          </a:ln>
+        </p:spPr>
+        <p:style>
+          <a:lnRef idx="1">
+            <a:schemeClr val="accent1"/>
+          </a:lnRef>
+          <a:fillRef idx="0">
+            <a:schemeClr val="accent1"/>
+          </a:fillRef>
+          <a:effectRef idx="0">
+            <a:schemeClr val="accent1"/>
+          </a:effectRef>
+          <a:fontRef idx="minor">
+            <a:schemeClr val="tx1"/>
+          </a:fontRef>
+        </p:style>
+      </p:cxnSp>
+      <p:cxnSp>
+        <p:nvCxnSpPr>
+          <p:cNvPr id="93" name="Straight Arrow Connector 92"/>
+          <p:cNvCxnSpPr/>
+          <p:nvPr/>
+        </p:nvCxnSpPr>
+        <p:spPr>
+          <a:xfrm>
+            <a:off x="5420994" y="3366429"/>
+            <a:ext cx="868680" cy="7644"/>
+          </a:xfrm>
+          <a:prstGeom prst="straightConnector1">
+            <a:avLst/>
+          </a:prstGeom>
+          <a:ln>
+            <a:tailEnd type="triangle"/>
+          </a:ln>
+        </p:spPr>
+        <p:style>
+          <a:lnRef idx="1">
+            <a:schemeClr val="accent1"/>
+          </a:lnRef>
+          <a:fillRef idx="0">
+            <a:schemeClr val="accent1"/>
+          </a:fillRef>
+          <a:effectRef idx="0">
+            <a:schemeClr val="accent1"/>
+          </a:effectRef>
+          <a:fontRef idx="minor">
+            <a:schemeClr val="tx1"/>
+          </a:fontRef>
+        </p:style>
+      </p:cxnSp>
+      <p:cxnSp>
+        <p:nvCxnSpPr>
+          <p:cNvPr id="94" name="Straight Arrow Connector 93"/>
+          <p:cNvCxnSpPr/>
+          <p:nvPr/>
+        </p:nvCxnSpPr>
+        <p:spPr>
+          <a:xfrm>
+            <a:off x="5425440" y="5877965"/>
+            <a:ext cx="868680" cy="7644"/>
+          </a:xfrm>
+          <a:prstGeom prst="straightConnector1">
+            <a:avLst/>
+          </a:prstGeom>
+          <a:ln>
+            <a:tailEnd type="triangle"/>
+          </a:ln>
+        </p:spPr>
+        <p:style>
+          <a:lnRef idx="1">
+            <a:schemeClr val="accent1"/>
+          </a:lnRef>
+          <a:fillRef idx="0">
+            <a:schemeClr val="accent1"/>
+          </a:fillRef>
+          <a:effectRef idx="0">
+            <a:schemeClr val="accent1"/>
+          </a:effectRef>
+          <a:fontRef idx="minor">
+            <a:schemeClr val="tx1"/>
+          </a:fontRef>
+        </p:style>
+      </p:cxnSp>
+      <p:sp>
+        <p:nvSpPr>
+          <p:cNvPr id="97" name="Rectangle 96"/>
           <p:cNvSpPr/>
           <p:nvPr/>
         </p:nvSpPr>
         <p:spPr>
           <a:xfrm>
-            <a:off x="46355" y="4583084"/>
-            <a:ext cx="2217738" cy="1643504"/>
-          </a:xfrm>
-          <a:prstGeom prst="flowChartDecision">
+            <a:off x="6393180" y="514261"/>
+            <a:ext cx="1912620" cy="629166"/>
+          </a:xfrm>
+          <a:prstGeom prst="rect">
             <a:avLst/>
           </a:prstGeom>
         </p:spPr>
@@ -3519,192 +3620,34 @@
             <a:pPr algn="ctr"/>
             <a:r>
               <a:rPr lang="en-US" dirty="0" smtClean="0"/>
-              <a:t>transform != </a:t>
+              <a:t>send “</a:t>
+            </a:r>
+            <a:r>
+              <a:rPr lang="en-US" dirty="0" err="1"/>
+              <a:t>g</a:t>
             </a:r>
             <a:r>
               <a:rPr lang="en-US" dirty="0" err="1" smtClean="0"/>
-              <a:t>lastTrans</a:t>
+              <a:t>rep</a:t>
+            </a:r>
+            <a:r>
+              <a:rPr lang="en-US" dirty="0" smtClean="0"/>
+              <a:t>”</a:t>
             </a:r>
             <a:endParaRPr lang="en-US" dirty="0"/>
           </a:p>
         </p:txBody>
       </p:sp>
-      <p:cxnSp>
-        <p:nvCxnSpPr>
-          <p:cNvPr id="75" name="Straight Arrow Connector 74"/>
-          <p:cNvCxnSpPr>
-            <a:stCxn id="8" idx="3"/>
-            <a:endCxn id="69" idx="0"/>
-          </p:cNvCxnSpPr>
-          <p:nvPr/>
-        </p:nvCxnSpPr>
-        <p:spPr>
-          <a:xfrm flipH="1">
-            <a:off x="1155224" y="3998873"/>
-            <a:ext cx="1111" cy="584211"/>
-          </a:xfrm>
-          <a:prstGeom prst="straightConnector1">
-            <a:avLst/>
-          </a:prstGeom>
-          <a:ln>
-            <a:tailEnd type="triangle"/>
-          </a:ln>
-        </p:spPr>
-        <p:style>
-          <a:lnRef idx="1">
-            <a:schemeClr val="accent1"/>
-          </a:lnRef>
-          <a:fillRef idx="0">
-            <a:schemeClr val="accent1"/>
-          </a:fillRef>
-          <a:effectRef idx="0">
-            <a:schemeClr val="accent1"/>
-          </a:effectRef>
-          <a:fontRef idx="minor">
-            <a:schemeClr val="tx1"/>
-          </a:fontRef>
-        </p:style>
-      </p:cxnSp>
-      <p:cxnSp>
-        <p:nvCxnSpPr>
-          <p:cNvPr id="81" name="Elbow Connector 80"/>
-          <p:cNvCxnSpPr/>
-          <p:nvPr/>
-        </p:nvCxnSpPr>
-        <p:spPr>
-          <a:xfrm rot="10800000">
-            <a:off x="2776856" y="4612242"/>
-            <a:ext cx="607695" cy="1266317"/>
-          </a:xfrm>
-          <a:prstGeom prst="bentConnector2">
-            <a:avLst/>
-          </a:prstGeom>
-        </p:spPr>
-        <p:style>
-          <a:lnRef idx="1">
-            <a:schemeClr val="accent1"/>
-          </a:lnRef>
-          <a:fillRef idx="0">
-            <a:schemeClr val="accent1"/>
-          </a:fillRef>
-          <a:effectRef idx="0">
-            <a:schemeClr val="accent1"/>
-          </a:effectRef>
-          <a:fontRef idx="minor">
-            <a:schemeClr val="tx1"/>
-          </a:fontRef>
-        </p:style>
-      </p:cxnSp>
-      <p:cxnSp>
-        <p:nvCxnSpPr>
-          <p:cNvPr id="83" name="Elbow Connector 82"/>
-          <p:cNvCxnSpPr>
-            <a:endCxn id="8" idx="4"/>
-          </p:cNvCxnSpPr>
-          <p:nvPr/>
-        </p:nvCxnSpPr>
-        <p:spPr>
-          <a:xfrm rot="10800000">
-            <a:off x="1358901" y="3998874"/>
-            <a:ext cx="1417955" cy="611227"/>
-          </a:xfrm>
-          <a:prstGeom prst="bentConnector2">
-            <a:avLst/>
-          </a:prstGeom>
-          <a:ln>
-            <a:tailEnd type="triangle"/>
-          </a:ln>
-        </p:spPr>
-        <p:style>
-          <a:lnRef idx="1">
-            <a:schemeClr val="accent1"/>
-          </a:lnRef>
-          <a:fillRef idx="0">
-            <a:schemeClr val="accent1"/>
-          </a:fillRef>
-          <a:effectRef idx="0">
-            <a:schemeClr val="accent1"/>
-          </a:effectRef>
-          <a:fontRef idx="minor">
-            <a:schemeClr val="tx1"/>
-          </a:fontRef>
-        </p:style>
-      </p:cxnSp>
-      <p:sp>
-        <p:nvSpPr>
-          <p:cNvPr id="84" name="TextBox 83"/>
-          <p:cNvSpPr txBox="1"/>
-          <p:nvPr/>
-        </p:nvSpPr>
-        <p:spPr>
-          <a:xfrm>
-            <a:off x="2247584" y="4582298"/>
-            <a:ext cx="653413" cy="371473"/>
-          </a:xfrm>
-          <a:prstGeom prst="rect">
-            <a:avLst/>
-          </a:prstGeom>
-          <a:noFill/>
-        </p:spPr>
-        <p:txBody>
-          <a:bodyPr wrap="square" rtlCol="0">
-            <a:spAutoFit/>
-          </a:bodyPr>
-          <a:lstStyle/>
-          <a:p>
-            <a:r>
-              <a:rPr lang="en-US" dirty="0" smtClean="0"/>
-              <a:t>else</a:t>
-            </a:r>
-            <a:endParaRPr lang="en-US" dirty="0"/>
-          </a:p>
-        </p:txBody>
-      </p:sp>
-      <p:cxnSp>
-        <p:nvCxnSpPr>
-          <p:cNvPr id="86" name="Elbow Connector 85"/>
-          <p:cNvCxnSpPr>
-            <a:stCxn id="69" idx="2"/>
-          </p:cNvCxnSpPr>
-          <p:nvPr/>
-        </p:nvCxnSpPr>
-        <p:spPr>
-          <a:xfrm rot="16200000" flipH="1">
-            <a:off x="1198705" y="6183107"/>
-            <a:ext cx="312294" cy="399256"/>
-          </a:xfrm>
-          <a:prstGeom prst="bentConnector2">
-            <a:avLst/>
-          </a:prstGeom>
-          <a:ln>
-            <a:tailEnd type="triangle"/>
-          </a:ln>
-        </p:spPr>
-        <p:style>
-          <a:lnRef idx="1">
-            <a:schemeClr val="accent1"/>
-          </a:lnRef>
-          <a:fillRef idx="0">
-            <a:schemeClr val="accent1"/>
-          </a:fillRef>
-          <a:effectRef idx="0">
-            <a:schemeClr val="accent1"/>
-          </a:effectRef>
-          <a:fontRef idx="minor">
-            <a:schemeClr val="tx1"/>
-          </a:fontRef>
-        </p:style>
-      </p:cxnSp>
-      <p:sp>
-        <p:nvSpPr>
-          <p:cNvPr id="87" name="Rectangle 86"/>
+      <p:sp>
+        <p:nvSpPr>
+          <p:cNvPr id="101" name="Rectangle 100"/>
           <p:cNvSpPr/>
           <p:nvPr/>
         </p:nvSpPr>
         <p:spPr>
           <a:xfrm>
-            <a:off x="1560426" y="6192548"/>
-            <a:ext cx="1624709" cy="604395"/>
+            <a:off x="6393180" y="3068296"/>
+            <a:ext cx="1912620" cy="629166"/>
           </a:xfrm>
           <a:prstGeom prst="rect">
             <a:avLst/>
@@ -3733,122 +3676,21 @@
             <a:pPr algn="ctr"/>
             <a:r>
               <a:rPr lang="en-US" dirty="0" smtClean="0"/>
-              <a:t>send Transform</a:t>
+              <a:t>send “info”</a:t>
             </a:r>
             <a:endParaRPr lang="en-US" dirty="0"/>
           </a:p>
         </p:txBody>
       </p:sp>
-      <p:cxnSp>
-        <p:nvCxnSpPr>
-          <p:cNvPr id="92" name="Straight Arrow Connector 91"/>
-          <p:cNvCxnSpPr>
-            <a:stCxn id="7" idx="3"/>
-          </p:cNvCxnSpPr>
-          <p:nvPr/>
-        </p:nvCxnSpPr>
-        <p:spPr>
-          <a:xfrm>
-            <a:off x="5435600" y="863939"/>
-            <a:ext cx="868680" cy="7644"/>
-          </a:xfrm>
-          <a:prstGeom prst="straightConnector1">
-            <a:avLst/>
-          </a:prstGeom>
-          <a:ln>
-            <a:tailEnd type="triangle"/>
-          </a:ln>
-        </p:spPr>
-        <p:style>
-          <a:lnRef idx="1">
-            <a:schemeClr val="accent1"/>
-          </a:lnRef>
-          <a:fillRef idx="0">
-            <a:schemeClr val="accent1"/>
-          </a:fillRef>
-          <a:effectRef idx="0">
-            <a:schemeClr val="accent1"/>
-          </a:effectRef>
-          <a:fontRef idx="minor">
-            <a:schemeClr val="tx1"/>
-          </a:fontRef>
-        </p:style>
-      </p:cxnSp>
-      <p:cxnSp>
-        <p:nvCxnSpPr>
-          <p:cNvPr id="93" name="Straight Arrow Connector 92"/>
-          <p:cNvCxnSpPr/>
-          <p:nvPr/>
-        </p:nvCxnSpPr>
-        <p:spPr>
-          <a:xfrm>
-            <a:off x="5420994" y="3366429"/>
-            <a:ext cx="868680" cy="7644"/>
-          </a:xfrm>
-          <a:prstGeom prst="straightConnector1">
-            <a:avLst/>
-          </a:prstGeom>
-          <a:ln>
-            <a:tailEnd type="triangle"/>
-          </a:ln>
-        </p:spPr>
-        <p:style>
-          <a:lnRef idx="1">
-            <a:schemeClr val="accent1"/>
-          </a:lnRef>
-          <a:fillRef idx="0">
-            <a:schemeClr val="accent1"/>
-          </a:fillRef>
-          <a:effectRef idx="0">
-            <a:schemeClr val="accent1"/>
-          </a:effectRef>
-          <a:fontRef idx="minor">
-            <a:schemeClr val="tx1"/>
-          </a:fontRef>
-        </p:style>
-      </p:cxnSp>
-      <p:cxnSp>
-        <p:nvCxnSpPr>
-          <p:cNvPr id="94" name="Straight Arrow Connector 93"/>
-          <p:cNvCxnSpPr/>
-          <p:nvPr/>
-        </p:nvCxnSpPr>
-        <p:spPr>
-          <a:xfrm>
-            <a:off x="5425440" y="5877965"/>
-            <a:ext cx="868680" cy="7644"/>
-          </a:xfrm>
-          <a:prstGeom prst="straightConnector1">
-            <a:avLst/>
-          </a:prstGeom>
-          <a:ln>
-            <a:tailEnd type="triangle"/>
-          </a:ln>
-        </p:spPr>
-        <p:style>
-          <a:lnRef idx="1">
-            <a:schemeClr val="accent1"/>
-          </a:lnRef>
-          <a:fillRef idx="0">
-            <a:schemeClr val="accent1"/>
-          </a:fillRef>
-          <a:effectRef idx="0">
-            <a:schemeClr val="accent1"/>
-          </a:effectRef>
-          <a:fontRef idx="minor">
-            <a:schemeClr val="tx1"/>
-          </a:fontRef>
-        </p:style>
-      </p:cxnSp>
-      <p:sp>
-        <p:nvSpPr>
-          <p:cNvPr id="97" name="Rectangle 96"/>
+      <p:sp>
+        <p:nvSpPr>
+          <p:cNvPr id="102" name="Rectangle 101"/>
           <p:cNvSpPr/>
           <p:nvPr/>
         </p:nvSpPr>
         <p:spPr>
           <a:xfrm>
-            <a:off x="6393180" y="514261"/>
+            <a:off x="6393180" y="5563382"/>
             <a:ext cx="1912620" cy="629166"/>
           </a:xfrm>
           <a:prstGeom prst="rect">
@@ -3878,19 +3720,7 @@
             <a:pPr algn="ctr"/>
             <a:r>
               <a:rPr lang="en-US" dirty="0" smtClean="0"/>
-              <a:t>send “</a:t>
-            </a:r>
-            <a:r>
-              <a:rPr lang="en-US" dirty="0" err="1"/>
-              <a:t>g</a:t>
-            </a:r>
-            <a:r>
-              <a:rPr lang="en-US" dirty="0" err="1" smtClean="0"/>
-              <a:t>rep</a:t>
-            </a:r>
-            <a:r>
-              <a:rPr lang="en-US" dirty="0" smtClean="0"/>
-              <a:t>”</a:t>
+              <a:t>send “move”</a:t>
             </a:r>
             <a:endParaRPr lang="en-US" dirty="0"/>
           </a:p>
@@ -3898,16 +3728,16 @@
       </p:sp>
       <p:sp>
         <p:nvSpPr>
-          <p:cNvPr id="101" name="Rectangle 100"/>
+          <p:cNvPr id="106" name="Flowchart: Terminator 105"/>
           <p:cNvSpPr/>
           <p:nvPr/>
         </p:nvSpPr>
         <p:spPr>
           <a:xfrm>
-            <a:off x="6393180" y="3068296"/>
-            <a:ext cx="1912620" cy="629166"/>
-          </a:xfrm>
-          <a:prstGeom prst="rect">
+            <a:off x="9985375" y="3144964"/>
+            <a:ext cx="1549400" cy="444500"/>
+          </a:xfrm>
+          <a:prstGeom prst="flowChartTerminator">
             <a:avLst/>
           </a:prstGeom>
         </p:spPr>
@@ -3934,94 +3764,6 @@
             <a:pPr algn="ctr"/>
             <a:r>
               <a:rPr lang="en-US" dirty="0" smtClean="0"/>
-              <a:t>send “info”</a:t>
-            </a:r>
-            <a:endParaRPr lang="en-US" dirty="0"/>
-          </a:p>
-        </p:txBody>
-      </p:sp>
-      <p:sp>
-        <p:nvSpPr>
-          <p:cNvPr id="102" name="Rectangle 101"/>
-          <p:cNvSpPr/>
-          <p:nvPr/>
-        </p:nvSpPr>
-        <p:spPr>
-          <a:xfrm>
-            <a:off x="6393180" y="5563382"/>
-            <a:ext cx="1912620" cy="629166"/>
-          </a:xfrm>
-          <a:prstGeom prst="rect">
-            <a:avLst/>
-          </a:prstGeom>
-        </p:spPr>
-        <p:style>
-          <a:lnRef idx="2">
-            <a:schemeClr val="dk1">
-              <a:shade val="50000"/>
-            </a:schemeClr>
-          </a:lnRef>
-          <a:fillRef idx="1">
-            <a:schemeClr val="dk1"/>
-          </a:fillRef>
-          <a:effectRef idx="0">
-            <a:schemeClr val="dk1"/>
-          </a:effectRef>
-          <a:fontRef idx="minor">
-            <a:schemeClr val="lt1"/>
-          </a:fontRef>
-        </p:style>
-        <p:txBody>
-          <a:bodyPr rtlCol="0" anchor="ctr"/>
-          <a:lstStyle/>
-          <a:p>
-            <a:pPr algn="ctr"/>
-            <a:r>
-              <a:rPr lang="en-US" dirty="0" smtClean="0"/>
-              <a:t>send “move”</a:t>
-            </a:r>
-            <a:endParaRPr lang="en-US" dirty="0"/>
-          </a:p>
-        </p:txBody>
-      </p:sp>
-      <p:sp>
-        <p:nvSpPr>
-          <p:cNvPr id="106" name="Flowchart: Terminator 105"/>
-          <p:cNvSpPr/>
-          <p:nvPr/>
-        </p:nvSpPr>
-        <p:spPr>
-          <a:xfrm>
-            <a:off x="9985375" y="3144964"/>
-            <a:ext cx="1549400" cy="444500"/>
-          </a:xfrm>
-          <a:prstGeom prst="flowChartTerminator">
-            <a:avLst/>
-          </a:prstGeom>
-        </p:spPr>
-        <p:style>
-          <a:lnRef idx="2">
-            <a:schemeClr val="dk1">
-              <a:shade val="50000"/>
-            </a:schemeClr>
-          </a:lnRef>
-          <a:fillRef idx="1">
-            <a:schemeClr val="dk1"/>
-          </a:fillRef>
-          <a:effectRef idx="0">
-            <a:schemeClr val="dk1"/>
-          </a:effectRef>
-          <a:fontRef idx="minor">
-            <a:schemeClr val="lt1"/>
-          </a:fontRef>
-        </p:style>
-        <p:txBody>
-          <a:bodyPr rtlCol="0" anchor="ctr"/>
-          <a:lstStyle/>
-          <a:p>
-            <a:pPr algn="ctr"/>
-            <a:r>
-              <a:rPr lang="en-US" dirty="0" smtClean="0"/>
               <a:t>END</a:t>
             </a:r>
             <a:endParaRPr lang="en-US" dirty="0"/>
@@ -4115,6 +3857,42 @@
           <a:prstGeom prst="bentConnector2">
             <a:avLst/>
           </a:prstGeom>
+        </p:spPr>
+        <p:style>
+          <a:lnRef idx="1">
+            <a:schemeClr val="accent1"/>
+          </a:lnRef>
+          <a:fillRef idx="0">
+            <a:schemeClr val="accent1"/>
+          </a:fillRef>
+          <a:effectRef idx="0">
+            <a:schemeClr val="accent1"/>
+          </a:effectRef>
+          <a:fontRef idx="minor">
+            <a:schemeClr val="tx1"/>
+          </a:fontRef>
+        </p:style>
+      </p:cxnSp>
+      <p:cxnSp>
+        <p:nvCxnSpPr>
+          <p:cNvPr id="3" name="Elbow Connector 2"/>
+          <p:cNvCxnSpPr>
+            <a:stCxn id="34" idx="1"/>
+            <a:endCxn id="8" idx="4"/>
+          </p:cNvCxnSpPr>
+          <p:nvPr/>
+        </p:nvCxnSpPr>
+        <p:spPr>
+          <a:xfrm rot="10800000">
+            <a:off x="1358900" y="3998874"/>
+            <a:ext cx="2025650" cy="1879653"/>
+          </a:xfrm>
+          <a:prstGeom prst="bentConnector2">
+            <a:avLst/>
+          </a:prstGeom>
+          <a:ln>
+            <a:tailEnd type="triangle"/>
+          </a:ln>
         </p:spPr>
         <p:style>
           <a:lnRef idx="1">
